--- a/Week05/week5solution.pptx
+++ b/Week05/week5solution.pptx
@@ -108,13 +108,18 @@
       </a:defRPr>
     </a:lvl9pPr>
   </p:defaultTextStyle>
+  <p:extLst>
+    <p:ext uri="{EFAFB233-063F-42B5-8137-9DF3F51BA10A}">
+      <p15:sldGuideLst xmlns:p15="http://schemas.microsoft.com/office/powerpoint/2012/main"/>
+    </p:ext>
+  </p:extLst>
 </p:presentation>
 </file>
 
 <file path=ppt/revisionInfo.xml><?xml version="1.0" encoding="utf-8"?>
 <p1510:revInfo xmlns:a="http://schemas.openxmlformats.org/drawingml/2006/main" xmlns:r="http://schemas.openxmlformats.org/officeDocument/2006/relationships" xmlns:p1510="http://schemas.microsoft.com/office/powerpoint/2015/10/main">
   <p1510:revLst>
-    <p1510:client id="{2612846C-7457-437F-AC4C-78555CCC96F3}" v="22" dt="2023-02-25T04:24:43.120"/>
+    <p1510:client id="{2612846C-7457-437F-AC4C-78555CCC96F3}" v="28" dt="2023-02-28T16:05:31.964"/>
   </p1510:revLst>
 </p1510:revInfo>
 </file>
@@ -124,7 +129,7 @@
   <pc:docChgLst>
     <pc:chgData name="Peilin Luo" userId="8c1a735735f7fa26" providerId="LiveId" clId="{2612846C-7457-437F-AC4C-78555CCC96F3}"/>
     <pc:docChg chg="undo redo custSel addSld delSld modSld">
-      <pc:chgData name="Peilin Luo" userId="8c1a735735f7fa26" providerId="LiveId" clId="{2612846C-7457-437F-AC4C-78555CCC96F3}" dt="2023-02-25T04:24:57.824" v="132" actId="14100"/>
+      <pc:chgData name="Peilin Luo" userId="8c1a735735f7fa26" providerId="LiveId" clId="{2612846C-7457-437F-AC4C-78555CCC96F3}" dt="2023-02-28T16:05:48.943" v="160" actId="1076"/>
       <pc:docMkLst>
         <pc:docMk/>
       </pc:docMkLst>
@@ -317,7 +322,7 @@
         </pc:spChg>
       </pc:sldChg>
       <pc:sldChg chg="addSp delSp modSp add mod setBg delDesignElem">
-        <pc:chgData name="Peilin Luo" userId="8c1a735735f7fa26" providerId="LiveId" clId="{2612846C-7457-437F-AC4C-78555CCC96F3}" dt="2023-02-25T04:24:19.808" v="128" actId="113"/>
+        <pc:chgData name="Peilin Luo" userId="8c1a735735f7fa26" providerId="LiveId" clId="{2612846C-7457-437F-AC4C-78555CCC96F3}" dt="2023-02-28T16:05:48.943" v="160" actId="1076"/>
         <pc:sldMkLst>
           <pc:docMk/>
           <pc:sldMk cId="1485726730" sldId="260"/>
@@ -419,11 +424,27 @@
           </ac:picMkLst>
         </pc:picChg>
         <pc:picChg chg="add mod">
+          <ac:chgData name="Peilin Luo" userId="8c1a735735f7fa26" providerId="LiveId" clId="{2612846C-7457-437F-AC4C-78555CCC96F3}" dt="2023-02-28T16:04:39.356" v="154" actId="1076"/>
+          <ac:picMkLst>
+            <pc:docMk/>
+            <pc:sldMk cId="1485726730" sldId="260"/>
+            <ac:picMk id="3" creationId="{FFE39269-89C1-E4C8-385C-D6DB4F627497}"/>
+          </ac:picMkLst>
+        </pc:picChg>
+        <pc:picChg chg="add mod">
           <ac:chgData name="Peilin Luo" userId="8c1a735735f7fa26" providerId="LiveId" clId="{2612846C-7457-437F-AC4C-78555CCC96F3}" dt="2023-02-25T04:21:16.298" v="71" actId="14100"/>
           <ac:picMkLst>
             <pc:docMk/>
             <pc:sldMk cId="1485726730" sldId="260"/>
             <ac:picMk id="4" creationId="{3EB7855E-D2E9-F5E1-B14E-8955209E0472}"/>
+          </ac:picMkLst>
+        </pc:picChg>
+        <pc:picChg chg="add mod">
+          <ac:chgData name="Peilin Luo" userId="8c1a735735f7fa26" providerId="LiveId" clId="{2612846C-7457-437F-AC4C-78555CCC96F3}" dt="2023-02-28T16:05:48.943" v="160" actId="1076"/>
+          <ac:picMkLst>
+            <pc:docMk/>
+            <pc:sldMk cId="1485726730" sldId="260"/>
+            <ac:picMk id="6" creationId="{7781975E-5D4F-1226-F723-DC5A205E702A}"/>
           </ac:picMkLst>
         </pc:picChg>
         <pc:picChg chg="del">
@@ -444,7 +465,7 @@
         </pc:cxnChg>
       </pc:sldChg>
       <pc:sldChg chg="addSp delSp modSp add mod setBg delDesignElem">
-        <pc:chgData name="Peilin Luo" userId="8c1a735735f7fa26" providerId="LiveId" clId="{2612846C-7457-437F-AC4C-78555CCC96F3}" dt="2023-02-25T04:24:57.824" v="132" actId="14100"/>
+        <pc:chgData name="Peilin Luo" userId="8c1a735735f7fa26" providerId="LiveId" clId="{2612846C-7457-437F-AC4C-78555CCC96F3}" dt="2023-02-28T16:02:01.369" v="147" actId="14100"/>
         <pc:sldMkLst>
           <pc:docMk/>
           <pc:sldMk cId="2474491526" sldId="261"/>
@@ -466,7 +487,7 @@
           </ac:spMkLst>
         </pc:spChg>
         <pc:spChg chg="mod">
-          <ac:chgData name="Peilin Luo" userId="8c1a735735f7fa26" providerId="LiveId" clId="{2612846C-7457-437F-AC4C-78555CCC96F3}" dt="2023-02-25T04:24:57.824" v="132" actId="14100"/>
+          <ac:chgData name="Peilin Luo" userId="8c1a735735f7fa26" providerId="LiveId" clId="{2612846C-7457-437F-AC4C-78555CCC96F3}" dt="2023-02-28T16:02:01.369" v="147" actId="14100"/>
           <ac:spMkLst>
             <pc:docMk/>
             <pc:sldMk cId="2474491526" sldId="261"/>
@@ -522,6 +543,14 @@
           </ac:graphicFrameMkLst>
         </pc:graphicFrameChg>
         <pc:graphicFrameChg chg="add del mod">
+          <ac:chgData name="Peilin Luo" userId="8c1a735735f7fa26" providerId="LiveId" clId="{2612846C-7457-437F-AC4C-78555CCC96F3}" dt="2023-02-28T16:00:23.831" v="134"/>
+          <ac:graphicFrameMkLst>
+            <pc:docMk/>
+            <pc:sldMk cId="2474491526" sldId="261"/>
+            <ac:graphicFrameMk id="2" creationId="{E12FA534-00D5-D3F5-70C5-9587E5EF5212}"/>
+          </ac:graphicFrameMkLst>
+        </pc:graphicFrameChg>
+        <pc:graphicFrameChg chg="add del mod">
           <ac:chgData name="Peilin Luo" userId="8c1a735735f7fa26" providerId="LiveId" clId="{2612846C-7457-437F-AC4C-78555CCC96F3}" dt="2023-02-25T04:22:15.646" v="77"/>
           <ac:graphicFrameMkLst>
             <pc:docMk/>
@@ -530,7 +559,7 @@
           </ac:graphicFrameMkLst>
         </pc:graphicFrameChg>
         <pc:graphicFrameChg chg="add mod modGraphic">
-          <ac:chgData name="Peilin Luo" userId="8c1a735735f7fa26" providerId="LiveId" clId="{2612846C-7457-437F-AC4C-78555CCC96F3}" dt="2023-02-25T04:23:24.727" v="92" actId="14100"/>
+          <ac:chgData name="Peilin Luo" userId="8c1a735735f7fa26" providerId="LiveId" clId="{2612846C-7457-437F-AC4C-78555CCC96F3}" dt="2023-02-28T16:00:41.145" v="138" actId="255"/>
           <ac:graphicFrameMkLst>
             <pc:docMk/>
             <pc:sldMk cId="2474491526" sldId="261"/>
@@ -538,7 +567,7 @@
           </ac:graphicFrameMkLst>
         </pc:graphicFrameChg>
         <pc:graphicFrameChg chg="add mod modGraphic">
-          <ac:chgData name="Peilin Luo" userId="8c1a735735f7fa26" providerId="LiveId" clId="{2612846C-7457-437F-AC4C-78555CCC96F3}" dt="2023-02-25T04:23:27.570" v="93" actId="14100"/>
+          <ac:chgData name="Peilin Luo" userId="8c1a735735f7fa26" providerId="LiveId" clId="{2612846C-7457-437F-AC4C-78555CCC96F3}" dt="2023-02-28T16:00:56.098" v="140" actId="255"/>
           <ac:graphicFrameMkLst>
             <pc:docMk/>
             <pc:sldMk cId="2474491526" sldId="261"/>
@@ -706,7 +735,7 @@
           <a:p>
             <a:fld id="{4D3B536E-F334-4C6C-A4C7-DB75AE7F965A}" type="datetimeFigureOut">
               <a:rPr lang="en-US" smtClean="0"/>
-              <a:t>2/24/2023</a:t>
+              <a:t>2/28/2023</a:t>
             </a:fld>
             <a:endParaRPr lang="en-US"/>
           </a:p>
@@ -904,7 +933,7 @@
           <a:p>
             <a:fld id="{4D3B536E-F334-4C6C-A4C7-DB75AE7F965A}" type="datetimeFigureOut">
               <a:rPr lang="en-US" smtClean="0"/>
-              <a:t>2/24/2023</a:t>
+              <a:t>2/28/2023</a:t>
             </a:fld>
             <a:endParaRPr lang="en-US"/>
           </a:p>
@@ -1112,7 +1141,7 @@
           <a:p>
             <a:fld id="{4D3B536E-F334-4C6C-A4C7-DB75AE7F965A}" type="datetimeFigureOut">
               <a:rPr lang="en-US" smtClean="0"/>
-              <a:t>2/24/2023</a:t>
+              <a:t>2/28/2023</a:t>
             </a:fld>
             <a:endParaRPr lang="en-US"/>
           </a:p>
@@ -1310,7 +1339,7 @@
           <a:p>
             <a:fld id="{4D3B536E-F334-4C6C-A4C7-DB75AE7F965A}" type="datetimeFigureOut">
               <a:rPr lang="en-US" smtClean="0"/>
-              <a:t>2/24/2023</a:t>
+              <a:t>2/28/2023</a:t>
             </a:fld>
             <a:endParaRPr lang="en-US"/>
           </a:p>
@@ -1585,7 +1614,7 @@
           <a:p>
             <a:fld id="{4D3B536E-F334-4C6C-A4C7-DB75AE7F965A}" type="datetimeFigureOut">
               <a:rPr lang="en-US" smtClean="0"/>
-              <a:t>2/24/2023</a:t>
+              <a:t>2/28/2023</a:t>
             </a:fld>
             <a:endParaRPr lang="en-US"/>
           </a:p>
@@ -1850,7 +1879,7 @@
           <a:p>
             <a:fld id="{4D3B536E-F334-4C6C-A4C7-DB75AE7F965A}" type="datetimeFigureOut">
               <a:rPr lang="en-US" smtClean="0"/>
-              <a:t>2/24/2023</a:t>
+              <a:t>2/28/2023</a:t>
             </a:fld>
             <a:endParaRPr lang="en-US"/>
           </a:p>
@@ -2262,7 +2291,7 @@
           <a:p>
             <a:fld id="{4D3B536E-F334-4C6C-A4C7-DB75AE7F965A}" type="datetimeFigureOut">
               <a:rPr lang="en-US" smtClean="0"/>
-              <a:t>2/24/2023</a:t>
+              <a:t>2/28/2023</a:t>
             </a:fld>
             <a:endParaRPr lang="en-US"/>
           </a:p>
@@ -2403,7 +2432,7 @@
           <a:p>
             <a:fld id="{4D3B536E-F334-4C6C-A4C7-DB75AE7F965A}" type="datetimeFigureOut">
               <a:rPr lang="en-US" smtClean="0"/>
-              <a:t>2/24/2023</a:t>
+              <a:t>2/28/2023</a:t>
             </a:fld>
             <a:endParaRPr lang="en-US"/>
           </a:p>
@@ -2516,7 +2545,7 @@
           <a:p>
             <a:fld id="{4D3B536E-F334-4C6C-A4C7-DB75AE7F965A}" type="datetimeFigureOut">
               <a:rPr lang="en-US" smtClean="0"/>
-              <a:t>2/24/2023</a:t>
+              <a:t>2/28/2023</a:t>
             </a:fld>
             <a:endParaRPr lang="en-US"/>
           </a:p>
@@ -2827,7 +2856,7 @@
           <a:p>
             <a:fld id="{4D3B536E-F334-4C6C-A4C7-DB75AE7F965A}" type="datetimeFigureOut">
               <a:rPr lang="en-US" smtClean="0"/>
-              <a:t>2/24/2023</a:t>
+              <a:t>2/28/2023</a:t>
             </a:fld>
             <a:endParaRPr lang="en-US"/>
           </a:p>
@@ -3115,7 +3144,7 @@
           <a:p>
             <a:fld id="{4D3B536E-F334-4C6C-A4C7-DB75AE7F965A}" type="datetimeFigureOut">
               <a:rPr lang="en-US" smtClean="0"/>
-              <a:t>2/24/2023</a:t>
+              <a:t>2/28/2023</a:t>
             </a:fld>
             <a:endParaRPr lang="en-US"/>
           </a:p>
@@ -3356,7 +3385,7 @@
           <a:p>
             <a:fld id="{4D3B536E-F334-4C6C-A4C7-DB75AE7F965A}" type="datetimeFigureOut">
               <a:rPr lang="en-US" smtClean="0"/>
-              <a:t>2/24/2023</a:t>
+              <a:t>2/28/2023</a:t>
             </a:fld>
             <a:endParaRPr lang="en-US"/>
           </a:p>
@@ -4076,7 +4105,7 @@
               </a:spcAft>
             </a:pPr>
             <a:r>
-              <a:rPr lang="en-US" sz="3200" b="1">
+              <a:rPr lang="en-US" sz="3200" b="1" dirty="0">
                 <a:latin typeface="+mj-lt"/>
                 <a:ea typeface="+mj-ea"/>
                 <a:cs typeface="+mj-cs"/>
@@ -4247,8 +4276,8 @@
           </a:p>
         </p:txBody>
       </p:sp>
-      <mc:AlternateContent xmlns:mc="http://schemas.openxmlformats.org/markup-compatibility/2006">
-        <mc:Choice xmlns:a14="http://schemas.microsoft.com/office/drawing/2010/main" Requires="a14">
+      <mc:AlternateContent xmlns:mc="http://schemas.openxmlformats.org/markup-compatibility/2006" xmlns:a14="http://schemas.microsoft.com/office/drawing/2010/main">
+        <mc:Choice Requires="a14">
           <p:sp>
             <p:nvSpPr>
               <p:cNvPr id="12" name="TextBox 11">
@@ -4470,7 +4499,7 @@
             </p:txBody>
           </p:sp>
         </mc:Choice>
-        <mc:Fallback>
+        <mc:Fallback xmlns="">
           <p:sp>
             <p:nvSpPr>
               <p:cNvPr id="12" name="TextBox 11">
@@ -6268,6 +6297,78 @@
           </a:ln>
         </p:spPr>
       </p:pic>
+      <p:pic>
+        <p:nvPicPr>
+          <p:cNvPr id="3" name="Picture 2" descr="Graphical user interface, text&#10;&#10;Description automatically generated">
+            <a:extLst>
+              <a:ext uri="{FF2B5EF4-FFF2-40B4-BE49-F238E27FC236}">
+                <a16:creationId xmlns:a16="http://schemas.microsoft.com/office/drawing/2014/main" id="{FFE39269-89C1-E4C8-385C-D6DB4F627497}"/>
+              </a:ext>
+            </a:extLst>
+          </p:cNvPr>
+          <p:cNvPicPr>
+            <a:picLocks noChangeAspect="1"/>
+          </p:cNvPicPr>
+          <p:nvPr/>
+        </p:nvPicPr>
+        <p:blipFill>
+          <a:blip r:embed="rId3">
+            <a:extLst>
+              <a:ext uri="{28A0092B-C50C-407E-A947-70E740481C1C}">
+                <a14:useLocalDpi xmlns:a14="http://schemas.microsoft.com/office/drawing/2010/main" val="0"/>
+              </a:ext>
+            </a:extLst>
+          </a:blip>
+          <a:stretch>
+            <a:fillRect/>
+          </a:stretch>
+        </p:blipFill>
+        <p:spPr>
+          <a:xfrm>
+            <a:off x="4965430" y="3171030"/>
+            <a:ext cx="4260627" cy="1684434"/>
+          </a:xfrm>
+          <a:prstGeom prst="rect">
+            <a:avLst/>
+          </a:prstGeom>
+        </p:spPr>
+      </p:pic>
+      <p:pic>
+        <p:nvPicPr>
+          <p:cNvPr id="6" name="Picture 5" descr="Graphical user interface&#10;&#10;Description automatically generated with medium confidence">
+            <a:extLst>
+              <a:ext uri="{FF2B5EF4-FFF2-40B4-BE49-F238E27FC236}">
+                <a16:creationId xmlns:a16="http://schemas.microsoft.com/office/drawing/2014/main" id="{7781975E-5D4F-1226-F723-DC5A205E702A}"/>
+              </a:ext>
+            </a:extLst>
+          </p:cNvPr>
+          <p:cNvPicPr>
+            <a:picLocks noChangeAspect="1"/>
+          </p:cNvPicPr>
+          <p:nvPr/>
+        </p:nvPicPr>
+        <p:blipFill>
+          <a:blip r:embed="rId4">
+            <a:extLst>
+              <a:ext uri="{28A0092B-C50C-407E-A947-70E740481C1C}">
+                <a14:useLocalDpi xmlns:a14="http://schemas.microsoft.com/office/drawing/2010/main" val="0"/>
+              </a:ext>
+            </a:extLst>
+          </a:blip>
+          <a:stretch>
+            <a:fillRect/>
+          </a:stretch>
+        </p:blipFill>
+        <p:spPr>
+          <a:xfrm>
+            <a:off x="4965430" y="5048574"/>
+            <a:ext cx="4260627" cy="982134"/>
+          </a:xfrm>
+          <a:prstGeom prst="rect">
+            <a:avLst/>
+          </a:prstGeom>
+        </p:spPr>
+      </p:pic>
     </p:spTree>
     <p:extLst>
       <p:ext uri="{BB962C8B-B14F-4D97-AF65-F5344CB8AC3E}">
@@ -6361,8 +6462,8 @@
         </p:nvSpPr>
         <p:spPr>
           <a:xfrm>
-            <a:off x="5277538" y="586822"/>
-            <a:ext cx="6106742" cy="1645920"/>
+            <a:off x="3858768" y="586822"/>
+            <a:ext cx="7525512" cy="1645920"/>
           </a:xfrm>
           <a:prstGeom prst="rect">
             <a:avLst/>
@@ -6386,7 +6487,31 @@
             </a:pPr>
             <a:r>
               <a:rPr lang="en-US" dirty="0"/>
-              <a:t>the value at risk using fitted t distribution was more than double the results from week 4</a:t>
+              <a:t>much higher than the results from week 4</a:t>
+            </a:r>
+          </a:p>
+          <a:p>
+            <a:pPr indent="-228600">
+              <a:lnSpc>
+                <a:spcPct val="90000"/>
+              </a:lnSpc>
+              <a:spcAft>
+                <a:spcPts val="600"/>
+              </a:spcAft>
+              <a:buFont typeface="Arial" panose="020B0604020202020204" pitchFamily="34" charset="0"/>
+              <a:buChar char="•"/>
+            </a:pPr>
+            <a:r>
+              <a:rPr lang="en-US" dirty="0"/>
+              <a:t>for the expected shortfall, influenced by </a:t>
+            </a:r>
+            <a:r>
+              <a:rPr lang="en-US" b="1" dirty="0"/>
+              <a:t>fat tails</a:t>
+            </a:r>
+            <a:r>
+              <a:rPr lang="en-US" dirty="0"/>
+              <a:t>, the expected shortfalls for portfolios were much larger</a:t>
             </a:r>
           </a:p>
         </p:txBody>
@@ -6406,7 +6531,7 @@
           <p:nvPr>
             <p:extLst>
               <p:ext uri="{D42A27DB-BD31-4B8C-83A1-F6EECF244321}">
-                <p14:modId xmlns:p14="http://schemas.microsoft.com/office/powerpoint/2010/main" val="2995384773"/>
+                <p14:modId xmlns:p14="http://schemas.microsoft.com/office/powerpoint/2010/main" val="2494045914"/>
               </p:ext>
             </p:extLst>
           </p:nvPr>
@@ -8231,7 +8356,7 @@
                           <a:ea typeface="DengXian" panose="02010600030101010101" pitchFamily="2" charset="-122"/>
                           <a:cs typeface="Times New Roman" panose="02020603050405020304" pitchFamily="18" charset="0"/>
                         </a:rPr>
-                        <a:t>10648$</a:t>
+                        <a:t>7944$</a:t>
                       </a:r>
                     </a:p>
                   </a:txBody>
@@ -8297,7 +8422,7 @@
                           <a:ea typeface="DengXian" panose="02010600030101010101" pitchFamily="2" charset="-122"/>
                           <a:cs typeface="Times New Roman" panose="02020603050405020304" pitchFamily="18" charset="0"/>
                         </a:rPr>
-                        <a:t>9506$</a:t>
+                        <a:t>6693$</a:t>
                       </a:r>
                     </a:p>
                   </a:txBody>
@@ -8363,7 +8488,7 @@
                           <a:ea typeface="DengXian" panose="02010600030101010101" pitchFamily="2" charset="-122"/>
                           <a:cs typeface="Times New Roman" panose="02020603050405020304" pitchFamily="18" charset="0"/>
                         </a:rPr>
-                        <a:t>8121$</a:t>
+                        <a:t>5565$</a:t>
                       </a:r>
                     </a:p>
                   </a:txBody>
@@ -8429,7 +8554,7 @@
                           <a:ea typeface="DengXian" panose="02010600030101010101" pitchFamily="2" charset="-122"/>
                           <a:cs typeface="Times New Roman" panose="02020603050405020304" pitchFamily="18" charset="0"/>
                         </a:rPr>
-                        <a:t>28232$</a:t>
+                        <a:t>19961$</a:t>
                       </a:r>
                     </a:p>
                   </a:txBody>
@@ -8497,7 +8622,7 @@
           <p:nvPr>
             <p:extLst>
               <p:ext uri="{D42A27DB-BD31-4B8C-83A1-F6EECF244321}">
-                <p14:modId xmlns:p14="http://schemas.microsoft.com/office/powerpoint/2010/main" val="3525597417"/>
+                <p14:modId xmlns:p14="http://schemas.microsoft.com/office/powerpoint/2010/main" val="3740691120"/>
               </p:ext>
             </p:extLst>
           </p:nvPr>
@@ -8968,13 +9093,13 @@
                         </a:spcAft>
                       </a:pPr>
                       <a:r>
-                        <a:rPr lang="en-US" sz="2000" dirty="0">
+                        <a:rPr lang="en-US" sz="2000">
                           <a:effectLst/>
                           <a:latin typeface="Calibri" panose="020F0502020204030204" pitchFamily="34" charset="0"/>
                           <a:ea typeface="DengXian" panose="02010600030101010101" pitchFamily="2" charset="-122"/>
                           <a:cs typeface="Times New Roman" panose="02020603050405020304" pitchFamily="18" charset="0"/>
                         </a:rPr>
-                        <a:t>14620$</a:t>
+                        <a:t>10408$</a:t>
                       </a:r>
                     </a:p>
                   </a:txBody>
@@ -9034,13 +9159,13 @@
                         </a:spcAft>
                       </a:pPr>
                       <a:r>
-                        <a:rPr lang="en-US" sz="2000" dirty="0">
+                        <a:rPr lang="en-US" sz="2000">
                           <a:effectLst/>
                           <a:latin typeface="Calibri" panose="020F0502020204030204" pitchFamily="34" charset="0"/>
                           <a:ea typeface="DengXian" panose="02010600030101010101" pitchFamily="2" charset="-122"/>
                           <a:cs typeface="Times New Roman" panose="02020603050405020304" pitchFamily="18" charset="0"/>
                         </a:rPr>
-                        <a:t>13050$</a:t>
+                        <a:t>8882$</a:t>
                       </a:r>
                     </a:p>
                   </a:txBody>
@@ -9100,13 +9225,13 @@
                         </a:spcAft>
                       </a:pPr>
                       <a:r>
-                        <a:rPr lang="en-US" sz="2000" dirty="0">
+                        <a:rPr lang="en-US" sz="2000">
                           <a:effectLst/>
                           <a:latin typeface="Calibri" panose="020F0502020204030204" pitchFamily="34" charset="0"/>
                           <a:ea typeface="DengXian" panose="02010600030101010101" pitchFamily="2" charset="-122"/>
                           <a:cs typeface="Times New Roman" panose="02020603050405020304" pitchFamily="18" charset="0"/>
                         </a:rPr>
-                        <a:t>11338$</a:t>
+                        <a:t>7361$</a:t>
                       </a:r>
                     </a:p>
                   </a:txBody>
@@ -9172,7 +9297,7 @@
                           <a:ea typeface="DengXian" panose="02010600030101010101" pitchFamily="2" charset="-122"/>
                           <a:cs typeface="Times New Roman" panose="02020603050405020304" pitchFamily="18" charset="0"/>
                         </a:rPr>
-                        <a:t>39004$</a:t>
+                        <a:t>26446$</a:t>
                       </a:r>
                     </a:p>
                   </a:txBody>
